--- a/iot_jsp2/iot_jsp_page/문희주 제출/ppt1.pptx
+++ b/iot_jsp2/iot_jsp_page/문희주 제출/ppt1.pptx
@@ -8,22 +8,24 @@
     <p:sldId id="264" r:id="rId2"/>
     <p:sldId id="266" r:id="rId3"/>
     <p:sldId id="265" r:id="rId4"/>
+    <p:sldId id="267" r:id="rId5"/>
+    <p:sldId id="268" r:id="rId6"/>
   </p:sldIdLst>
   <p:sldSz cx="9144000" cy="6858000" type="screen4x3"/>
   <p:notesSz cx="6858000" cy="9144000"/>
   <p:embeddedFontLst>
     <p:embeddedFont>
-      <p:font typeface="맑은 고딕" pitchFamily="50" charset="-127"/>
-      <p:regular r:id="rId5"/>
-      <p:bold r:id="rId6"/>
-    </p:embeddedFont>
-    <p:embeddedFont>
       <p:font typeface="a옛날목욕탕M" pitchFamily="18" charset="-127"/>
       <p:regular r:id="rId7"/>
     </p:embeddedFont>
     <p:embeddedFont>
+      <p:font typeface="맑은 고딕" pitchFamily="50" charset="-127"/>
+      <p:regular r:id="rId8"/>
+      <p:bold r:id="rId9"/>
+    </p:embeddedFont>
+    <p:embeddedFont>
       <p:font typeface="a옛날목욕탕L" pitchFamily="18" charset="-127"/>
-      <p:regular r:id="rId8"/>
+      <p:regular r:id="rId10"/>
     </p:embeddedFont>
   </p:embeddedFontLst>
   <p:defaultTextStyle>
@@ -305,7 +307,7 @@
           <a:p>
             <a:fld id="{A643A276-3D8B-4F89-91E1-AB6E4EF25AD0}" type="datetimeFigureOut">
               <a:rPr lang="ko-KR" altLang="en-US" smtClean="0"/>
-              <a:t>2018-01-11</a:t>
+              <a:t>2018-01-15</a:t>
             </a:fld>
             <a:endParaRPr lang="ko-KR" altLang="en-US"/>
           </a:p>
@@ -475,7 +477,7 @@
           <a:p>
             <a:fld id="{A643A276-3D8B-4F89-91E1-AB6E4EF25AD0}" type="datetimeFigureOut">
               <a:rPr lang="ko-KR" altLang="en-US" smtClean="0"/>
-              <a:t>2018-01-11</a:t>
+              <a:t>2018-01-15</a:t>
             </a:fld>
             <a:endParaRPr lang="ko-KR" altLang="en-US"/>
           </a:p>
@@ -655,7 +657,7 @@
           <a:p>
             <a:fld id="{A643A276-3D8B-4F89-91E1-AB6E4EF25AD0}" type="datetimeFigureOut">
               <a:rPr lang="ko-KR" altLang="en-US" smtClean="0"/>
-              <a:t>2018-01-11</a:t>
+              <a:t>2018-01-15</a:t>
             </a:fld>
             <a:endParaRPr lang="ko-KR" altLang="en-US"/>
           </a:p>
@@ -825,7 +827,7 @@
           <a:p>
             <a:fld id="{A643A276-3D8B-4F89-91E1-AB6E4EF25AD0}" type="datetimeFigureOut">
               <a:rPr lang="ko-KR" altLang="en-US" smtClean="0"/>
-              <a:t>2018-01-11</a:t>
+              <a:t>2018-01-15</a:t>
             </a:fld>
             <a:endParaRPr lang="ko-KR" altLang="en-US"/>
           </a:p>
@@ -1071,7 +1073,7 @@
           <a:p>
             <a:fld id="{A643A276-3D8B-4F89-91E1-AB6E4EF25AD0}" type="datetimeFigureOut">
               <a:rPr lang="ko-KR" altLang="en-US" smtClean="0"/>
-              <a:t>2018-01-11</a:t>
+              <a:t>2018-01-15</a:t>
             </a:fld>
             <a:endParaRPr lang="ko-KR" altLang="en-US"/>
           </a:p>
@@ -1359,7 +1361,7 @@
           <a:p>
             <a:fld id="{A643A276-3D8B-4F89-91E1-AB6E4EF25AD0}" type="datetimeFigureOut">
               <a:rPr lang="ko-KR" altLang="en-US" smtClean="0"/>
-              <a:t>2018-01-11</a:t>
+              <a:t>2018-01-15</a:t>
             </a:fld>
             <a:endParaRPr lang="ko-KR" altLang="en-US"/>
           </a:p>
@@ -1781,7 +1783,7 @@
           <a:p>
             <a:fld id="{A643A276-3D8B-4F89-91E1-AB6E4EF25AD0}" type="datetimeFigureOut">
               <a:rPr lang="ko-KR" altLang="en-US" smtClean="0"/>
-              <a:t>2018-01-11</a:t>
+              <a:t>2018-01-15</a:t>
             </a:fld>
             <a:endParaRPr lang="ko-KR" altLang="en-US"/>
           </a:p>
@@ -1899,7 +1901,7 @@
           <a:p>
             <a:fld id="{A643A276-3D8B-4F89-91E1-AB6E4EF25AD0}" type="datetimeFigureOut">
               <a:rPr lang="ko-KR" altLang="en-US" smtClean="0"/>
-              <a:t>2018-01-11</a:t>
+              <a:t>2018-01-15</a:t>
             </a:fld>
             <a:endParaRPr lang="ko-KR" altLang="en-US"/>
           </a:p>
@@ -1994,7 +1996,7 @@
           <a:p>
             <a:fld id="{A643A276-3D8B-4F89-91E1-AB6E4EF25AD0}" type="datetimeFigureOut">
               <a:rPr lang="ko-KR" altLang="en-US" smtClean="0"/>
-              <a:t>2018-01-11</a:t>
+              <a:t>2018-01-15</a:t>
             </a:fld>
             <a:endParaRPr lang="ko-KR" altLang="en-US"/>
           </a:p>
@@ -2271,7 +2273,7 @@
           <a:p>
             <a:fld id="{A643A276-3D8B-4F89-91E1-AB6E4EF25AD0}" type="datetimeFigureOut">
               <a:rPr lang="ko-KR" altLang="en-US" smtClean="0"/>
-              <a:t>2018-01-11</a:t>
+              <a:t>2018-01-15</a:t>
             </a:fld>
             <a:endParaRPr lang="ko-KR" altLang="en-US"/>
           </a:p>
@@ -2524,7 +2526,7 @@
           <a:p>
             <a:fld id="{A643A276-3D8B-4F89-91E1-AB6E4EF25AD0}" type="datetimeFigureOut">
               <a:rPr lang="ko-KR" altLang="en-US" smtClean="0"/>
-              <a:t>2018-01-11</a:t>
+              <a:t>2018-01-15</a:t>
             </a:fld>
             <a:endParaRPr lang="ko-KR" altLang="en-US"/>
           </a:p>
@@ -2737,7 +2739,7 @@
           <a:p>
             <a:fld id="{A643A276-3D8B-4F89-91E1-AB6E4EF25AD0}" type="datetimeFigureOut">
               <a:rPr lang="ko-KR" altLang="en-US" smtClean="0"/>
-              <a:t>2018-01-11</a:t>
+              <a:t>2018-01-15</a:t>
             </a:fld>
             <a:endParaRPr lang="ko-KR" altLang="en-US"/>
           </a:p>
@@ -3691,6 +3693,385 @@
 </p:sld>
 </file>
 
+<file path=ppt/slides/slide4.xml><?xml version="1.0" encoding="utf-8"?>
+<p:sld xmlns:a="http://schemas.openxmlformats.org/drawingml/2006/main" xmlns:r="http://schemas.openxmlformats.org/officeDocument/2006/relationships" xmlns:p="http://schemas.openxmlformats.org/presentationml/2006/main">
+  <p:cSld>
+    <p:spTree>
+      <p:nvGrpSpPr>
+        <p:cNvPr id="1" name=""/>
+        <p:cNvGrpSpPr/>
+        <p:nvPr/>
+      </p:nvGrpSpPr>
+      <p:grpSpPr>
+        <a:xfrm>
+          <a:off x="0" y="0"/>
+          <a:ext cx="0" cy="0"/>
+          <a:chOff x="0" y="0"/>
+          <a:chExt cx="0" cy="0"/>
+        </a:xfrm>
+      </p:grpSpPr>
+      <p:cxnSp>
+        <p:nvCxnSpPr>
+          <p:cNvPr id="5" name="직선 연결선 4"/>
+          <p:cNvCxnSpPr/>
+          <p:nvPr/>
+        </p:nvCxnSpPr>
+        <p:spPr>
+          <a:xfrm>
+            <a:off x="-180528" y="404664"/>
+            <a:ext cx="1296144" cy="0"/>
+          </a:xfrm>
+          <a:prstGeom prst="line">
+            <a:avLst/>
+          </a:prstGeom>
+          <a:effectLst/>
+        </p:spPr>
+        <p:style>
+          <a:lnRef idx="3">
+            <a:schemeClr val="accent1"/>
+          </a:lnRef>
+          <a:fillRef idx="0">
+            <a:schemeClr val="accent1"/>
+          </a:fillRef>
+          <a:effectRef idx="2">
+            <a:schemeClr val="accent1"/>
+          </a:effectRef>
+          <a:fontRef idx="minor">
+            <a:schemeClr val="tx1"/>
+          </a:fontRef>
+        </p:style>
+      </p:cxnSp>
+      <p:sp>
+        <p:nvSpPr>
+          <p:cNvPr id="9" name="TextBox 8"/>
+          <p:cNvSpPr txBox="1"/>
+          <p:nvPr/>
+        </p:nvSpPr>
+        <p:spPr>
+          <a:xfrm>
+            <a:off x="107504" y="418506"/>
+            <a:ext cx="2808312" cy="369332"/>
+          </a:xfrm>
+          <a:prstGeom prst="rect">
+            <a:avLst/>
+          </a:prstGeom>
+          <a:noFill/>
+        </p:spPr>
+        <p:txBody>
+          <a:bodyPr wrap="square" rtlCol="0">
+            <a:spAutoFit/>
+          </a:bodyPr>
+          <a:lstStyle/>
+          <a:p>
+            <a:r>
+              <a:rPr lang="ko-KR" altLang="en-US" dirty="0" smtClean="0">
+                <a:latin typeface="a옛날목욕탕M" pitchFamily="18" charset="-127"/>
+                <a:ea typeface="a옛날목욕탕M" pitchFamily="18" charset="-127"/>
+              </a:rPr>
+              <a:t>구</a:t>
+            </a:r>
+            <a:r>
+              <a:rPr lang="ko-KR" altLang="en-US" dirty="0">
+                <a:latin typeface="a옛날목욕탕M" pitchFamily="18" charset="-127"/>
+                <a:ea typeface="a옛날목욕탕M" pitchFamily="18" charset="-127"/>
+              </a:rPr>
+              <a:t>현 </a:t>
+            </a:r>
+            <a:r>
+              <a:rPr lang="ko-KR" altLang="en-US" dirty="0" smtClean="0">
+                <a:latin typeface="a옛날목욕탕M" pitchFamily="18" charset="-127"/>
+                <a:ea typeface="a옛날목욕탕M" pitchFamily="18" charset="-127"/>
+              </a:rPr>
+              <a:t>페이지</a:t>
+            </a:r>
+            <a:endParaRPr lang="ko-KR" altLang="en-US" dirty="0">
+              <a:latin typeface="a옛날목욕탕M" pitchFamily="18" charset="-127"/>
+              <a:ea typeface="a옛날목욕탕M" pitchFamily="18" charset="-127"/>
+            </a:endParaRPr>
+          </a:p>
+        </p:txBody>
+      </p:sp>
+      <p:cxnSp>
+        <p:nvCxnSpPr>
+          <p:cNvPr id="10" name="직선 연결선 9"/>
+          <p:cNvCxnSpPr/>
+          <p:nvPr/>
+        </p:nvCxnSpPr>
+        <p:spPr>
+          <a:xfrm>
+            <a:off x="1835696" y="6525344"/>
+            <a:ext cx="7416824" cy="0"/>
+          </a:xfrm>
+          <a:prstGeom prst="line">
+            <a:avLst/>
+          </a:prstGeom>
+          <a:effectLst/>
+        </p:spPr>
+        <p:style>
+          <a:lnRef idx="3">
+            <a:schemeClr val="accent1"/>
+          </a:lnRef>
+          <a:fillRef idx="0">
+            <a:schemeClr val="accent1"/>
+          </a:fillRef>
+          <a:effectRef idx="2">
+            <a:schemeClr val="accent1"/>
+          </a:effectRef>
+          <a:fontRef idx="minor">
+            <a:schemeClr val="tx1"/>
+          </a:fontRef>
+        </p:style>
+      </p:cxnSp>
+      <p:pic>
+        <p:nvPicPr>
+          <p:cNvPr id="3074" name="Picture 2" descr="C:\Users\DJA\Downloads\screencapture-localhost-user-logout-1515568594878.png"/>
+          <p:cNvPicPr>
+            <a:picLocks noChangeAspect="1" noChangeArrowheads="1"/>
+          </p:cNvPicPr>
+          <p:nvPr/>
+        </p:nvPicPr>
+        <p:blipFill>
+          <a:blip r:embed="rId2">
+            <a:extLst>
+              <a:ext uri="{28A0092B-C50C-407E-A947-70E740481C1C}">
+                <a14:useLocalDpi xmlns:a14="http://schemas.microsoft.com/office/drawing/2010/main" val="0"/>
+              </a:ext>
+            </a:extLst>
+          </a:blip>
+          <a:srcRect/>
+          <a:stretch>
+            <a:fillRect/>
+          </a:stretch>
+        </p:blipFill>
+        <p:spPr bwMode="auto">
+          <a:xfrm>
+            <a:off x="0" y="908720"/>
+            <a:ext cx="9144000" cy="4786428"/>
+          </a:xfrm>
+          <a:prstGeom prst="rect">
+            <a:avLst/>
+          </a:prstGeom>
+          <a:noFill/>
+          <a:extLst>
+            <a:ext uri="{909E8E84-426E-40DD-AFC4-6F175D3DCCD1}">
+              <a14:hiddenFill xmlns:a14="http://schemas.microsoft.com/office/drawing/2010/main">
+                <a:solidFill>
+                  <a:srgbClr val="FFFFFF"/>
+                </a:solidFill>
+              </a14:hiddenFill>
+            </a:ext>
+          </a:extLst>
+        </p:spPr>
+      </p:pic>
+    </p:spTree>
+    <p:extLst>
+      <p:ext uri="{BB962C8B-B14F-4D97-AF65-F5344CB8AC3E}">
+        <p14:creationId xmlns:p14="http://schemas.microsoft.com/office/powerpoint/2010/main" val="3078405304"/>
+      </p:ext>
+    </p:extLst>
+  </p:cSld>
+  <p:clrMapOvr>
+    <a:masterClrMapping/>
+  </p:clrMapOvr>
+</p:sld>
+</file>
+
+<file path=ppt/slides/slide5.xml><?xml version="1.0" encoding="utf-8"?>
+<p:sld xmlns:a="http://schemas.openxmlformats.org/drawingml/2006/main" xmlns:r="http://schemas.openxmlformats.org/officeDocument/2006/relationships" xmlns:p="http://schemas.openxmlformats.org/presentationml/2006/main">
+  <p:cSld>
+    <p:spTree>
+      <p:nvGrpSpPr>
+        <p:cNvPr id="1" name=""/>
+        <p:cNvGrpSpPr/>
+        <p:nvPr/>
+      </p:nvGrpSpPr>
+      <p:grpSpPr>
+        <a:xfrm>
+          <a:off x="0" y="0"/>
+          <a:ext cx="0" cy="0"/>
+          <a:chOff x="0" y="0"/>
+          <a:chExt cx="0" cy="0"/>
+        </a:xfrm>
+      </p:grpSpPr>
+      <p:cxnSp>
+        <p:nvCxnSpPr>
+          <p:cNvPr id="5" name="직선 연결선 4"/>
+          <p:cNvCxnSpPr/>
+          <p:nvPr/>
+        </p:nvCxnSpPr>
+        <p:spPr>
+          <a:xfrm>
+            <a:off x="-180528" y="404664"/>
+            <a:ext cx="1296144" cy="0"/>
+          </a:xfrm>
+          <a:prstGeom prst="line">
+            <a:avLst/>
+          </a:prstGeom>
+          <a:effectLst/>
+        </p:spPr>
+        <p:style>
+          <a:lnRef idx="3">
+            <a:schemeClr val="accent1"/>
+          </a:lnRef>
+          <a:fillRef idx="0">
+            <a:schemeClr val="accent1"/>
+          </a:fillRef>
+          <a:effectRef idx="2">
+            <a:schemeClr val="accent1"/>
+          </a:effectRef>
+          <a:fontRef idx="minor">
+            <a:schemeClr val="tx1"/>
+          </a:fontRef>
+        </p:style>
+      </p:cxnSp>
+      <p:sp>
+        <p:nvSpPr>
+          <p:cNvPr id="9" name="TextBox 8"/>
+          <p:cNvSpPr txBox="1"/>
+          <p:nvPr/>
+        </p:nvSpPr>
+        <p:spPr>
+          <a:xfrm>
+            <a:off x="107504" y="418506"/>
+            <a:ext cx="3816424" cy="646331"/>
+          </a:xfrm>
+          <a:prstGeom prst="rect">
+            <a:avLst/>
+          </a:prstGeom>
+          <a:noFill/>
+        </p:spPr>
+        <p:txBody>
+          <a:bodyPr wrap="square" rtlCol="0">
+            <a:spAutoFit/>
+          </a:bodyPr>
+          <a:lstStyle/>
+          <a:p>
+            <a:r>
+              <a:rPr lang="en-US" altLang="ko-KR" dirty="0" smtClean="0">
+                <a:latin typeface="a옛날목욕탕L" pitchFamily="18" charset="-127"/>
+                <a:ea typeface="a옛날목욕탕L" pitchFamily="18" charset="-127"/>
+              </a:rPr>
+              <a:t>Login </a:t>
+            </a:r>
+            <a:r>
+              <a:rPr lang="en-US" altLang="ko-KR" dirty="0" err="1" smtClean="0">
+                <a:latin typeface="a옛날목욕탕L" pitchFamily="18" charset="-127"/>
+                <a:ea typeface="a옛날목욕탕L" pitchFamily="18" charset="-127"/>
+              </a:rPr>
+              <a:t>Jsp</a:t>
+            </a:r>
+            <a:r>
+              <a:rPr lang="en-US" altLang="ko-KR" dirty="0" smtClean="0">
+                <a:latin typeface="a옛날목욕탕L" pitchFamily="18" charset="-127"/>
+                <a:ea typeface="a옛날목욕탕L" pitchFamily="18" charset="-127"/>
+              </a:rPr>
+              <a:t> </a:t>
+            </a:r>
+            <a:r>
+              <a:rPr lang="ko-KR" altLang="en-US" dirty="0" smtClean="0">
+                <a:latin typeface="a옛날목욕탕L" pitchFamily="18" charset="-127"/>
+                <a:ea typeface="a옛날목욕탕L" pitchFamily="18" charset="-127"/>
+              </a:rPr>
+              <a:t>페이지</a:t>
+            </a:r>
+            <a:endParaRPr lang="ko-KR" altLang="en-US" dirty="0">
+              <a:latin typeface="a옛날목욕탕L" pitchFamily="18" charset="-127"/>
+              <a:ea typeface="a옛날목욕탕L" pitchFamily="18" charset="-127"/>
+            </a:endParaRPr>
+          </a:p>
+          <a:p>
+            <a:endParaRPr lang="ko-KR" altLang="en-US" dirty="0">
+              <a:latin typeface="a옛날목욕탕M" pitchFamily="18" charset="-127"/>
+              <a:ea typeface="a옛날목욕탕M" pitchFamily="18" charset="-127"/>
+            </a:endParaRPr>
+          </a:p>
+        </p:txBody>
+      </p:sp>
+      <p:cxnSp>
+        <p:nvCxnSpPr>
+          <p:cNvPr id="10" name="직선 연결선 9"/>
+          <p:cNvCxnSpPr/>
+          <p:nvPr/>
+        </p:nvCxnSpPr>
+        <p:spPr>
+          <a:xfrm>
+            <a:off x="1835696" y="6525344"/>
+            <a:ext cx="7416824" cy="0"/>
+          </a:xfrm>
+          <a:prstGeom prst="line">
+            <a:avLst/>
+          </a:prstGeom>
+          <a:effectLst/>
+        </p:spPr>
+        <p:style>
+          <a:lnRef idx="3">
+            <a:schemeClr val="accent1"/>
+          </a:lnRef>
+          <a:fillRef idx="0">
+            <a:schemeClr val="accent1"/>
+          </a:fillRef>
+          <a:effectRef idx="2">
+            <a:schemeClr val="accent1"/>
+          </a:effectRef>
+          <a:fontRef idx="minor">
+            <a:schemeClr val="tx1"/>
+          </a:fontRef>
+        </p:style>
+      </p:cxnSp>
+      <p:pic>
+        <p:nvPicPr>
+          <p:cNvPr id="2050" name="Picture 2" descr="D:\iot_study\workspace\git\iot_jsp\iot_jsp2\iot_jsp_page\loginjsp.PNG"/>
+          <p:cNvPicPr>
+            <a:picLocks noChangeAspect="1" noChangeArrowheads="1"/>
+          </p:cNvPicPr>
+          <p:nvPr/>
+        </p:nvPicPr>
+        <p:blipFill>
+          <a:blip r:embed="rId2">
+            <a:extLst>
+              <a:ext uri="{28A0092B-C50C-407E-A947-70E740481C1C}">
+                <a14:useLocalDpi xmlns:a14="http://schemas.microsoft.com/office/drawing/2010/main" val="0"/>
+              </a:ext>
+            </a:extLst>
+          </a:blip>
+          <a:srcRect/>
+          <a:stretch>
+            <a:fillRect/>
+          </a:stretch>
+        </p:blipFill>
+        <p:spPr bwMode="auto">
+          <a:xfrm>
+            <a:off x="251520" y="1064837"/>
+            <a:ext cx="6864492" cy="4236372"/>
+          </a:xfrm>
+          <a:prstGeom prst="rect">
+            <a:avLst/>
+          </a:prstGeom>
+          <a:noFill/>
+          <a:extLst>
+            <a:ext uri="{909E8E84-426E-40DD-AFC4-6F175D3DCCD1}">
+              <a14:hiddenFill xmlns:a14="http://schemas.microsoft.com/office/drawing/2010/main">
+                <a:solidFill>
+                  <a:srgbClr val="FFFFFF"/>
+                </a:solidFill>
+              </a14:hiddenFill>
+            </a:ext>
+          </a:extLst>
+        </p:spPr>
+      </p:pic>
+    </p:spTree>
+    <p:extLst>
+      <p:ext uri="{BB962C8B-B14F-4D97-AF65-F5344CB8AC3E}">
+        <p14:creationId xmlns:p14="http://schemas.microsoft.com/office/powerpoint/2010/main" val="2257365537"/>
+      </p:ext>
+    </p:extLst>
+  </p:cSld>
+  <p:clrMapOvr>
+    <a:masterClrMapping/>
+  </p:clrMapOvr>
+</p:sld>
+</file>
+
 <file path=ppt/theme/theme1.xml><?xml version="1.0" encoding="utf-8"?>
 <a:theme xmlns:a="http://schemas.openxmlformats.org/drawingml/2006/main" name="Office 테마">
   <a:themeElements>
